--- a/202084779 조상우 모바일앱개발.pptx
+++ b/202084779 조상우 모바일앱개발.pptx
@@ -2,7 +2,7 @@
 <file path=ppt/presentation.xml><?xml version="1.0" encoding="utf-8"?>
 <p:presentation xmlns:a="http://schemas.openxmlformats.org/drawingml/2006/main" xmlns:r="http://schemas.openxmlformats.org/officeDocument/2006/relationships" xmlns:p="http://schemas.openxmlformats.org/presentationml/2006/main" xmlns:p14="http://schemas.microsoft.com/office/powerpoint/2010/main" saveSubsetFonts="1">
   <p:sldMasterIdLst>
-    <p:sldMasterId id="2147483664" r:id="rId13"/>
+    <p:sldMasterId id="2147483665" r:id="rId13"/>
   </p:sldMasterIdLst>
   <p:notesMasterIdLst>
     <p:notesMasterId r:id="rId17"/>
@@ -12,20 +12,20 @@
   </p:handoutMasterIdLst>
   <p:sldIdLst>
     <p:sldId id="256" r:id="rId19"/>
-    <p:sldId id="257" r:id="rId20"/>
-    <p:sldId id="258" r:id="rId21"/>
-    <p:sldId id="259" r:id="rId22"/>
-    <p:sldId id="260" r:id="rId23"/>
-    <p:sldId id="261" r:id="rId24"/>
-    <p:sldId id="262" r:id="rId25"/>
-    <p:sldId id="263" r:id="rId26"/>
-    <p:sldId id="265" r:id="rId27"/>
-    <p:sldId id="264" r:id="rId28"/>
-    <p:sldId id="266" r:id="rId29"/>
-    <p:sldId id="267" r:id="rId30"/>
-    <p:sldId id="268" r:id="rId31"/>
-    <p:sldId id="269" r:id="rId32"/>
-    <p:sldId id="270" r:id="rId33"/>
+    <p:sldId id="257" r:id="rId21"/>
+    <p:sldId id="258" r:id="rId22"/>
+    <p:sldId id="259" r:id="rId23"/>
+    <p:sldId id="260" r:id="rId24"/>
+    <p:sldId id="261" r:id="rId25"/>
+    <p:sldId id="262" r:id="rId26"/>
+    <p:sldId id="263" r:id="rId27"/>
+    <p:sldId id="265" r:id="rId28"/>
+    <p:sldId id="264" r:id="rId29"/>
+    <p:sldId id="266" r:id="rId30"/>
+    <p:sldId id="267" r:id="rId31"/>
+    <p:sldId id="268" r:id="rId32"/>
+    <p:sldId id="269" r:id="rId33"/>
+    <p:sldId id="270" r:id="rId34"/>
   </p:sldIdLst>
   <p:sldSz cx="12192000" cy="6858000"/>
   <p:notesSz cx="6858000" cy="9144000"/>
@@ -7636,7 +7636,7 @@
 </file>
 
 <file path=ppt/slides/slide15.xml><?xml version="1.0" encoding="utf-8"?>
-<p:sld xmlns:a="http://schemas.openxmlformats.org/drawingml/2006/main" xmlns:r="http://schemas.openxmlformats.org/officeDocument/2006/relationships" xmlns:p="http://schemas.openxmlformats.org/presentationml/2006/main">
+<p:sld xmlns:a="http://schemas.openxmlformats.org/drawingml/2006/main" xmlns:r="http://schemas.openxmlformats.org/officeDocument/2006/relationships" xmlns:p="http://schemas.openxmlformats.org/presentationml/2006/main" xmlns:p14="http://schemas.microsoft.com/office/powerpoint/2010/main">
   <p:cSld>
     <p:spTree>
       <p:nvGrpSpPr>
@@ -7784,6 +7784,135 @@
           </a:p>
         </p:txBody>
       </p:sp>
+      <p:cxnSp>
+        <p:nvCxnSpPr>
+          <p:cNvPr id="4" name="도형 1"/>
+          <p:cNvCxnSpPr/>
+          <p:nvPr/>
+        </p:nvCxnSpPr>
+        <p:spPr>
+          <a:xfrm rot="0">
+            <a:off x="598805" y="5323840"/>
+            <a:ext cx="10998200" cy="1270"/>
+          </a:xfrm>
+          <a:prstGeom prst="line"/>
+          <a:ln w="38100" cap="flat" cmpd="sng">
+            <a:solidFill>
+              <a:schemeClr val="tx1">
+                <a:lumMod val="50000"/>
+                <a:lumOff val="50000"/>
+                <a:alpha val="100000"/>
+              </a:schemeClr>
+            </a:solidFill>
+            <a:prstDash val="solid"/>
+            <a:miter lim="800000"/>
+          </a:ln>
+        </p:spPr>
+        <p:style>
+          <a:lnRef idx="1">
+            <a:schemeClr val="accent1"/>
+          </a:lnRef>
+          <a:fillRef idx="0">
+            <a:schemeClr val="accent1"/>
+          </a:fillRef>
+          <a:effectRef idx="0">
+            <a:schemeClr val="accent1"/>
+          </a:effectRef>
+          <a:fontRef idx="minor">
+            <a:schemeClr val="tx1"/>
+          </a:fontRef>
+        </p:style>
+      </p:cxnSp>
+      <p:cxnSp>
+        <p:nvCxnSpPr>
+          <p:cNvPr id="5" name="도형 2"/>
+          <p:cNvCxnSpPr/>
+          <p:nvPr/>
+        </p:nvCxnSpPr>
+        <p:spPr>
+          <a:xfrm rot="0">
+            <a:off x="587375" y="6017895"/>
+            <a:ext cx="10998200" cy="1270"/>
+          </a:xfrm>
+          <a:prstGeom prst="line"/>
+          <a:ln w="38100" cap="flat" cmpd="sng">
+            <a:solidFill>
+              <a:schemeClr val="tx1">
+                <a:lumMod val="50000"/>
+                <a:lumOff val="50000"/>
+                <a:alpha val="100000"/>
+              </a:schemeClr>
+            </a:solidFill>
+            <a:prstDash val="solid"/>
+            <a:miter lim="800000"/>
+          </a:ln>
+        </p:spPr>
+        <p:style>
+          <a:lnRef idx="1">
+            <a:schemeClr val="accent1"/>
+          </a:lnRef>
+          <a:fillRef idx="0">
+            <a:schemeClr val="accent1"/>
+          </a:fillRef>
+          <a:effectRef idx="0">
+            <a:schemeClr val="accent1"/>
+          </a:effectRef>
+          <a:fontRef idx="minor">
+            <a:schemeClr val="tx1"/>
+          </a:fontRef>
+        </p:style>
+      </p:cxnSp>
+      <p:sp>
+        <p:nvSpPr>
+          <p:cNvPr id="6" name="텍스트 상자 3"/>
+          <p:cNvSpPr txBox="1">
+            <a:spLocks noGrp="1"/>
+          </p:cNvSpPr>
+          <p:nvPr/>
+        </p:nvSpPr>
+        <p:spPr>
+          <a:xfrm rot="0">
+            <a:off x="652145" y="5501640"/>
+            <a:ext cx="10862310" cy="356870"/>
+          </a:xfrm>
+          <a:prstGeom prst="rect"/>
+        </p:spPr>
+        <p:txBody>
+          <a:bodyPr wrap="square" lIns="91440" tIns="45720" rIns="91440" bIns="45720" numCol="1" vert="horz" anchor="b">
+            <a:noAutofit/>
+          </a:bodyPr>
+          <a:lstStyle/>
+          <a:p>
+            <a:pPr marL="0" indent="0" rtl="0" algn="ctr" defTabSz="914400" eaLnBrk="1" latinLnBrk="1" hangingPunct="1">
+              <a:lnSpc>
+                <a:spcPct val="90000"/>
+              </a:lnSpc>
+              <a:spcBef>
+                <a:spcPct val="0"/>
+              </a:spcBef>
+              <a:buFontTx/>
+              <a:buNone/>
+            </a:pPr>
+            <a:r>
+              <a:rPr lang="ko-KR" altLang="en-US" sz="2200" b="1">
+                <a:solidFill>
+                  <a:schemeClr val="tx1"/>
+                </a:solidFill>
+                <a:latin typeface="맑은 고딕" charset="0"/>
+                <a:ea typeface="맑은 고딕" charset="0"/>
+              </a:rPr>
+              <a:t>https://github.com/20Sangwoo/Android</a:t>
+            </a:r>
+            <a:endParaRPr lang="ko-KR" altLang="en-US" sz="2200" b="1">
+              <a:solidFill>
+                <a:schemeClr val="tx1"/>
+              </a:solidFill>
+              <a:latin typeface="맑은 고딕" charset="0"/>
+              <a:ea typeface="맑은 고딕" charset="0"/>
+            </a:endParaRPr>
+          </a:p>
+        </p:txBody>
+      </p:sp>
     </p:spTree>
   </p:cSld>
   <p:clrMapOvr>
@@ -7797,6 +7926,13 @@
       <p:transition spd="slow"/>
     </mc:Fallback>
   </mc:AlternateContent>
+  <p:timing>
+    <p:tnLst>
+      <p:par>
+        <p:cTn id="1" dur="indefinite" restart="never" nodeType="tmRoot"/>
+      </p:par>
+    </p:tnLst>
+  </p:timing>
 </p:sld>
 </file>
 

--- a/202084779 조상우 모바일앱개발.pptx
+++ b/202084779 조상우 모바일앱개발.pptx
@@ -2,7 +2,7 @@
 <file path=ppt/presentation.xml><?xml version="1.0" encoding="utf-8"?>
 <p:presentation xmlns:a="http://schemas.openxmlformats.org/drawingml/2006/main" xmlns:r="http://schemas.openxmlformats.org/officeDocument/2006/relationships" xmlns:p="http://schemas.openxmlformats.org/presentationml/2006/main" xmlns:p14="http://schemas.microsoft.com/office/powerpoint/2010/main" saveSubsetFonts="1">
   <p:sldMasterIdLst>
-    <p:sldMasterId id="2147483665" r:id="rId13"/>
+    <p:sldMasterId id="2147483666" r:id="rId13"/>
   </p:sldMasterIdLst>
   <p:notesMasterIdLst>
     <p:notesMasterId r:id="rId17"/>
@@ -5615,7 +5615,7 @@
 </file>
 
 <file path=ppt/slides/slide13.xml><?xml version="1.0" encoding="utf-8"?>
-<p:sld xmlns:a="http://schemas.openxmlformats.org/drawingml/2006/main" xmlns:r="http://schemas.openxmlformats.org/officeDocument/2006/relationships" xmlns:p="http://schemas.openxmlformats.org/presentationml/2006/main">
+<p:sld xmlns:a="http://schemas.openxmlformats.org/drawingml/2006/main" xmlns:r="http://schemas.openxmlformats.org/officeDocument/2006/relationships" xmlns:p="http://schemas.openxmlformats.org/presentationml/2006/main" xmlns:p14="http://schemas.microsoft.com/office/powerpoint/2010/main">
   <p:cSld>
     <p:spTree>
       <p:nvGrpSpPr>
@@ -6077,9 +6077,9 @@
           </p:nvPr>
         </p:nvSpPr>
         <p:spPr>
-          <a:xfrm rot="0">
+          <a:xfrm>
             <a:off x="3411220" y="2759710"/>
-            <a:ext cx="5368290" cy="716915"/>
+            <a:ext cx="5368925" cy="717550"/>
           </a:xfrm>
           <a:prstGeom prst="rect"/>
         </p:spPr>
@@ -6107,7 +6107,7 @@
                 <a:latin typeface="맑은 고딕" charset="0"/>
                 <a:ea typeface="맑은 고딕" charset="0"/>
               </a:rPr>
-              <a:t>7</a:t>
+              <a:t>1</a:t>
             </a:r>
             <a:r>
               <a:rPr lang="ko-KR" altLang="en-US" sz="8000" b="1">
@@ -6117,7 +6117,27 @@
                 <a:latin typeface="맑은 고딕" charset="0"/>
                 <a:ea typeface="맑은 고딕" charset="0"/>
               </a:rPr>
-              <a:t> / 10</a:t>
+              <a:t>7 / </a:t>
+            </a:r>
+            <a:r>
+              <a:rPr lang="ko-KR" altLang="en-US" sz="8000" b="1">
+                <a:solidFill>
+                  <a:schemeClr val="tx1"/>
+                </a:solidFill>
+                <a:latin typeface="맑은 고딕" charset="0"/>
+                <a:ea typeface="맑은 고딕" charset="0"/>
+              </a:rPr>
+              <a:t>2</a:t>
+            </a:r>
+            <a:r>
+              <a:rPr lang="ko-KR" altLang="en-US" sz="8000" b="1">
+                <a:solidFill>
+                  <a:schemeClr val="tx1"/>
+                </a:solidFill>
+                <a:latin typeface="맑은 고딕" charset="0"/>
+                <a:ea typeface="맑은 고딕" charset="0"/>
+              </a:rPr>
+              <a:t>0</a:t>
             </a:r>
             <a:endParaRPr lang="ko-KR" altLang="en-US" sz="8000" b="1">
               <a:solidFill>
@@ -6142,11 +6162,18 @@
       <p:transition spd="slow"/>
     </mc:Fallback>
   </mc:AlternateContent>
+  <p:timing>
+    <p:tnLst>
+      <p:par>
+        <p:cTn id="1" dur="indefinite" restart="never" nodeType="tmRoot"/>
+      </p:par>
+    </p:tnLst>
+  </p:timing>
 </p:sld>
 </file>
 
 <file path=ppt/slides/slide14.xml><?xml version="1.0" encoding="utf-8"?>
-<p:sld xmlns:a="http://schemas.openxmlformats.org/drawingml/2006/main" xmlns:r="http://schemas.openxmlformats.org/officeDocument/2006/relationships" xmlns:p="http://schemas.openxmlformats.org/presentationml/2006/main">
+<p:sld xmlns:a="http://schemas.openxmlformats.org/drawingml/2006/main" xmlns:r="http://schemas.openxmlformats.org/officeDocument/2006/relationships" xmlns:p="http://schemas.openxmlformats.org/presentationml/2006/main" xmlns:p14="http://schemas.microsoft.com/office/powerpoint/2010/main">
   <p:cSld>
     <p:spTree>
       <p:nvGrpSpPr>
@@ -7578,8 +7605,8 @@
         </p:nvSpPr>
         <p:spPr>
           <a:xfrm rot="0">
-            <a:off x="10297795" y="5111115"/>
-            <a:ext cx="1204595" cy="770255"/>
+            <a:off x="9958070" y="5111115"/>
+            <a:ext cx="1544955" cy="770890"/>
           </a:xfrm>
           <a:prstGeom prst="rect"/>
         </p:spPr>
@@ -7607,7 +7634,227 @@
                 <a:latin typeface="맑은 고딕" charset="0"/>
                 <a:ea typeface="맑은 고딕" charset="0"/>
               </a:rPr>
-              <a:t>= 7</a:t>
+              <a:t>= </a:t>
+            </a:r>
+            <a:r>
+              <a:rPr lang="ko-KR" altLang="en-US" sz="4800" b="1">
+                <a:solidFill>
+                  <a:schemeClr val="tx1"/>
+                </a:solidFill>
+                <a:latin typeface="맑은 고딕" charset="0"/>
+                <a:ea typeface="맑은 고딕" charset="0"/>
+              </a:rPr>
+              <a:t>1</a:t>
+            </a:r>
+            <a:r>
+              <a:rPr lang="ko-KR" altLang="en-US" sz="4800" b="1">
+                <a:solidFill>
+                  <a:schemeClr val="tx1"/>
+                </a:solidFill>
+                <a:latin typeface="맑은 고딕" charset="0"/>
+                <a:ea typeface="맑은 고딕" charset="0"/>
+              </a:rPr>
+              <a:t>7</a:t>
+            </a:r>
+            <a:endParaRPr lang="ko-KR" altLang="en-US" sz="4800" b="1">
+              <a:solidFill>
+                <a:schemeClr val="tx1"/>
+              </a:solidFill>
+              <a:latin typeface="맑은 고딕" charset="0"/>
+              <a:ea typeface="맑은 고딕" charset="0"/>
+            </a:endParaRPr>
+          </a:p>
+        </p:txBody>
+      </p:sp>
+      <p:sp>
+        <p:nvSpPr>
+          <p:cNvPr id="20" name="텍스트 상자 1"/>
+          <p:cNvSpPr txBox="1">
+            <a:spLocks noGrp="1"/>
+          </p:cNvSpPr>
+          <p:nvPr/>
+        </p:nvSpPr>
+        <p:spPr>
+          <a:xfrm rot="0">
+            <a:off x="3183890" y="4468495"/>
+            <a:ext cx="3867785" cy="720725"/>
+          </a:xfrm>
+          <a:prstGeom prst="rect"/>
+        </p:spPr>
+        <p:txBody>
+          <a:bodyPr wrap="square" lIns="91440" tIns="45720" rIns="91440" bIns="45720" numCol="1" vert="horz" anchor="b">
+            <a:noAutofit/>
+          </a:bodyPr>
+          <a:lstStyle/>
+          <a:p>
+            <a:pPr marL="0" indent="0" rtl="0" algn="ctr" defTabSz="914400" eaLnBrk="1" latinLnBrk="1" hangingPunct="1">
+              <a:lnSpc>
+                <a:spcPct val="90000"/>
+              </a:lnSpc>
+              <a:spcBef>
+                <a:spcPct val="0"/>
+              </a:spcBef>
+              <a:buFontTx/>
+              <a:buNone/>
+            </a:pPr>
+            <a:r>
+              <a:rPr lang="ko-KR" altLang="en-US" sz="2050" b="1">
+                <a:solidFill>
+                  <a:schemeClr val="tx1"/>
+                </a:solidFill>
+                <a:latin typeface="맑은 고딕" charset="0"/>
+                <a:ea typeface="맑은 고딕" charset="0"/>
+              </a:rPr>
+              <a:t>모든 </a:t>
+            </a:r>
+            <a:r>
+              <a:rPr lang="ko-KR" altLang="en-US" sz="2050" b="1">
+                <a:solidFill>
+                  <a:schemeClr val="tx1"/>
+                </a:solidFill>
+                <a:latin typeface="맑은 고딕" charset="0"/>
+                <a:ea typeface="맑은 고딕" charset="0"/>
+              </a:rPr>
+              <a:t>파일이</a:t>
+            </a:r>
+            <a:r>
+              <a:rPr lang="ko-KR" altLang="en-US" sz="2050" b="1">
+                <a:solidFill>
+                  <a:schemeClr val="tx1"/>
+                </a:solidFill>
+                <a:latin typeface="맑은 고딕" charset="0"/>
+                <a:ea typeface="맑은 고딕" charset="0"/>
+              </a:rPr>
+              <a:t/>
+            </a:r>
+            <a:br>
+              <a:rPr lang="ko-KR" altLang="en-US" sz="2050" b="1">
+                <a:solidFill>
+                  <a:schemeClr val="tx1"/>
+                </a:solidFill>
+                <a:latin typeface="맑은 고딕" charset="0"/>
+                <a:ea typeface="맑은 고딕" charset="0"/>
+              </a:rPr>
+            </a:br>
+            <a:r>
+              <a:rPr lang="ko-KR" altLang="en-US" sz="2050" b="1">
+                <a:solidFill>
+                  <a:schemeClr val="tx1"/>
+                </a:solidFill>
+                <a:latin typeface="맑은 고딕" charset="0"/>
+                <a:ea typeface="맑은 고딕" charset="0"/>
+              </a:rPr>
+              <a:t>깃허브에 업로드 되었</a:t>
+            </a:r>
+            <a:r>
+              <a:rPr lang="ko-KR" altLang="en-US" sz="2050" b="1">
+                <a:solidFill>
+                  <a:schemeClr val="tx1"/>
+                </a:solidFill>
+                <a:latin typeface="맑은 고딕" charset="0"/>
+                <a:ea typeface="맑은 고딕" charset="0"/>
+              </a:rPr>
+              <a:t>는가</a:t>
+            </a:r>
+            <a:r>
+              <a:rPr lang="ko-KR" altLang="en-US" sz="2050" b="1">
+                <a:solidFill>
+                  <a:schemeClr val="tx1"/>
+                </a:solidFill>
+                <a:latin typeface="맑은 고딕" charset="0"/>
+                <a:ea typeface="맑은 고딕" charset="0"/>
+              </a:rPr>
+              <a:t/>
+            </a:r>
+            <a:br>
+              <a:rPr lang="ko-KR" altLang="en-US" sz="2050" b="1">
+                <a:solidFill>
+                  <a:schemeClr val="tx1"/>
+                </a:solidFill>
+                <a:latin typeface="맑은 고딕" charset="0"/>
+                <a:ea typeface="맑은 고딕" charset="0"/>
+              </a:rPr>
+            </a:br>
+            <a:r>
+              <a:rPr lang="ko-KR" altLang="en-US" sz="2050" b="1">
+                <a:solidFill>
+                  <a:schemeClr val="tx1"/>
+                </a:solidFill>
+                <a:latin typeface="맑은 고딕" charset="0"/>
+                <a:ea typeface="맑은 고딕" charset="0"/>
+              </a:rPr>
+              <a:t>(O)</a:t>
+            </a:r>
+            <a:endParaRPr lang="ko-KR" altLang="en-US" sz="2050" b="1">
+              <a:solidFill>
+                <a:schemeClr val="tx1"/>
+              </a:solidFill>
+              <a:latin typeface="맑은 고딕" charset="0"/>
+              <a:ea typeface="맑은 고딕" charset="0"/>
+            </a:endParaRPr>
+          </a:p>
+        </p:txBody>
+      </p:sp>
+      <p:sp>
+        <p:nvSpPr>
+          <p:cNvPr id="21" name="텍스트 상자 2"/>
+          <p:cNvSpPr txBox="1">
+            <a:spLocks noGrp="1"/>
+          </p:cNvSpPr>
+          <p:nvPr/>
+        </p:nvSpPr>
+        <p:spPr>
+          <a:xfrm rot="0">
+            <a:off x="8056245" y="4351655"/>
+            <a:ext cx="1577340" cy="770890"/>
+          </a:xfrm>
+          <a:prstGeom prst="rect"/>
+        </p:spPr>
+        <p:txBody>
+          <a:bodyPr wrap="square" lIns="91440" tIns="45720" rIns="91440" bIns="45720" numCol="1" vert="horz" anchor="b">
+            <a:noAutofit/>
+          </a:bodyPr>
+          <a:lstStyle/>
+          <a:p>
+            <a:pPr marL="0" indent="0" rtl="0" algn="ctr" defTabSz="914400" eaLnBrk="1" latinLnBrk="1" hangingPunct="1">
+              <a:lnSpc>
+                <a:spcPct val="90000"/>
+              </a:lnSpc>
+              <a:spcBef>
+                <a:spcPct val="0"/>
+              </a:spcBef>
+              <a:buFontTx/>
+              <a:buNone/>
+            </a:pPr>
+            <a:r>
+              <a:rPr lang="ko-KR" altLang="en-US" sz="4800" b="1">
+                <a:solidFill>
+                  <a:schemeClr val="tx1"/>
+                </a:solidFill>
+                <a:latin typeface="맑은 고딕" charset="0"/>
+                <a:ea typeface="맑은 고딕" charset="0"/>
+              </a:rPr>
+              <a:t>+ </a:t>
+            </a:r>
+            <a:r>
+              <a:rPr lang="ko-KR" altLang="en-US" sz="4800" b="1">
+                <a:solidFill>
+                  <a:schemeClr val="tx1"/>
+                </a:solidFill>
+                <a:latin typeface="맑은 고딕" charset="0"/>
+                <a:ea typeface="맑은 고딕" charset="0"/>
+              </a:rPr>
+              <a:t>1</a:t>
+            </a:r>
+            <a:r>
+              <a:rPr lang="ko-KR" altLang="en-US" sz="4800" b="1">
+                <a:solidFill>
+                  <a:schemeClr val="tx1"/>
+                </a:solidFill>
+                <a:latin typeface="맑은 고딕" charset="0"/>
+                <a:ea typeface="맑은 고딕" charset="0"/>
+              </a:rPr>
+              <a:t>0</a:t>
             </a:r>
             <a:endParaRPr lang="ko-KR" altLang="en-US" sz="4800" b="1">
               <a:solidFill>
@@ -7632,6 +7879,13 @@
       <p:transition spd="slow"/>
     </mc:Fallback>
   </mc:AlternateContent>
+  <p:timing>
+    <p:tnLst>
+      <p:par>
+        <p:cTn id="1" dur="indefinite" restart="never" nodeType="tmRoot"/>
+      </p:par>
+    </p:tnLst>
+  </p:timing>
 </p:sld>
 </file>
 
